--- a/프레젠테이션1.pptx
+++ b/프레젠테이션1.pptx
@@ -334,7 +334,7 @@
           <a:p>
             <a:fld id="{99DA9BA7-73E2-40B6-B8FA-BC7A13862B0D}" type="datetimeFigureOut">
               <a:rPr lang="ko-KR" altLang="en-US" smtClean="0"/>
-              <a:t>2017-12-26</a:t>
+              <a:t>2017-12-27</a:t>
             </a:fld>
             <a:endParaRPr lang="ko-KR" altLang="en-US"/>
           </a:p>
@@ -504,7 +504,7 @@
           <a:p>
             <a:fld id="{99DA9BA7-73E2-40B6-B8FA-BC7A13862B0D}" type="datetimeFigureOut">
               <a:rPr lang="ko-KR" altLang="en-US" smtClean="0"/>
-              <a:t>2017-12-26</a:t>
+              <a:t>2017-12-27</a:t>
             </a:fld>
             <a:endParaRPr lang="ko-KR" altLang="en-US"/>
           </a:p>
@@ -684,7 +684,7 @@
           <a:p>
             <a:fld id="{99DA9BA7-73E2-40B6-B8FA-BC7A13862B0D}" type="datetimeFigureOut">
               <a:rPr lang="ko-KR" altLang="en-US" smtClean="0"/>
-              <a:t>2017-12-26</a:t>
+              <a:t>2017-12-27</a:t>
             </a:fld>
             <a:endParaRPr lang="ko-KR" altLang="en-US"/>
           </a:p>
@@ -854,7 +854,7 @@
           <a:p>
             <a:fld id="{99DA9BA7-73E2-40B6-B8FA-BC7A13862B0D}" type="datetimeFigureOut">
               <a:rPr lang="ko-KR" altLang="en-US" smtClean="0"/>
-              <a:t>2017-12-26</a:t>
+              <a:t>2017-12-27</a:t>
             </a:fld>
             <a:endParaRPr lang="ko-KR" altLang="en-US"/>
           </a:p>
@@ -1100,7 +1100,7 @@
           <a:p>
             <a:fld id="{99DA9BA7-73E2-40B6-B8FA-BC7A13862B0D}" type="datetimeFigureOut">
               <a:rPr lang="ko-KR" altLang="en-US" smtClean="0"/>
-              <a:t>2017-12-26</a:t>
+              <a:t>2017-12-27</a:t>
             </a:fld>
             <a:endParaRPr lang="ko-KR" altLang="en-US"/>
           </a:p>
@@ -1332,7 +1332,7 @@
           <a:p>
             <a:fld id="{99DA9BA7-73E2-40B6-B8FA-BC7A13862B0D}" type="datetimeFigureOut">
               <a:rPr lang="ko-KR" altLang="en-US" smtClean="0"/>
-              <a:t>2017-12-26</a:t>
+              <a:t>2017-12-27</a:t>
             </a:fld>
             <a:endParaRPr lang="ko-KR" altLang="en-US"/>
           </a:p>
@@ -1699,7 +1699,7 @@
           <a:p>
             <a:fld id="{99DA9BA7-73E2-40B6-B8FA-BC7A13862B0D}" type="datetimeFigureOut">
               <a:rPr lang="ko-KR" altLang="en-US" smtClean="0"/>
-              <a:t>2017-12-26</a:t>
+              <a:t>2017-12-27</a:t>
             </a:fld>
             <a:endParaRPr lang="ko-KR" altLang="en-US"/>
           </a:p>
@@ -1817,7 +1817,7 @@
           <a:p>
             <a:fld id="{99DA9BA7-73E2-40B6-B8FA-BC7A13862B0D}" type="datetimeFigureOut">
               <a:rPr lang="ko-KR" altLang="en-US" smtClean="0"/>
-              <a:t>2017-12-26</a:t>
+              <a:t>2017-12-27</a:t>
             </a:fld>
             <a:endParaRPr lang="ko-KR" altLang="en-US"/>
           </a:p>
@@ -1912,7 +1912,7 @@
           <a:p>
             <a:fld id="{99DA9BA7-73E2-40B6-B8FA-BC7A13862B0D}" type="datetimeFigureOut">
               <a:rPr lang="ko-KR" altLang="en-US" smtClean="0"/>
-              <a:t>2017-12-26</a:t>
+              <a:t>2017-12-27</a:t>
             </a:fld>
             <a:endParaRPr lang="ko-KR" altLang="en-US"/>
           </a:p>
@@ -2189,7 +2189,7 @@
           <a:p>
             <a:fld id="{99DA9BA7-73E2-40B6-B8FA-BC7A13862B0D}" type="datetimeFigureOut">
               <a:rPr lang="ko-KR" altLang="en-US" smtClean="0"/>
-              <a:t>2017-12-26</a:t>
+              <a:t>2017-12-27</a:t>
             </a:fld>
             <a:endParaRPr lang="ko-KR" altLang="en-US"/>
           </a:p>
@@ -2442,7 +2442,7 @@
           <a:p>
             <a:fld id="{99DA9BA7-73E2-40B6-B8FA-BC7A13862B0D}" type="datetimeFigureOut">
               <a:rPr lang="ko-KR" altLang="en-US" smtClean="0"/>
-              <a:t>2017-12-26</a:t>
+              <a:t>2017-12-27</a:t>
             </a:fld>
             <a:endParaRPr lang="ko-KR" altLang="en-US"/>
           </a:p>
@@ -2655,7 +2655,7 @@
           <a:p>
             <a:fld id="{99DA9BA7-73E2-40B6-B8FA-BC7A13862B0D}" type="datetimeFigureOut">
               <a:rPr lang="ko-KR" altLang="en-US" smtClean="0"/>
-              <a:t>2017-12-26</a:t>
+              <a:t>2017-12-27</a:t>
             </a:fld>
             <a:endParaRPr lang="ko-KR" altLang="en-US"/>
           </a:p>
@@ -3264,7 +3264,19 @@
                       </a:r>
                       <a:r>
                         <a:rPr lang="ko-KR" altLang="ko-KR" dirty="0" smtClean="0"/>
-                        <a:t>일 투여 횟수</a:t>
+                        <a:t>일 </a:t>
+                      </a:r>
+                      <a:r>
+                        <a:rPr lang="ko-KR" altLang="en-US" dirty="0" smtClean="0"/>
+                        <a:t>투약</a:t>
+                      </a:r>
+                      <a:r>
+                        <a:rPr lang="ko-KR" altLang="ko-KR" dirty="0" smtClean="0"/>
+                        <a:t> </a:t>
+                      </a:r>
+                      <a:r>
+                        <a:rPr lang="ko-KR" altLang="ko-KR" dirty="0" smtClean="0"/>
+                        <a:t>횟수</a:t>
                       </a:r>
                     </a:p>
                   </a:txBody>
@@ -4876,7 +4888,11 @@
               </a:r>
               <a:r>
                 <a:rPr lang="ko-KR" altLang="ko-KR" sz="1200" dirty="0"/>
-                <a:t>일 투여횟수</a:t>
+                <a:t>일 </a:t>
+              </a:r>
+              <a:r>
+                <a:rPr lang="ko-KR" altLang="en-US" sz="1200" dirty="0" smtClean="0"/>
+                <a:t>투약횟수</a:t>
               </a:r>
               <a:r>
                 <a:rPr lang="en-US" altLang="ko-KR" sz="1200" dirty="0" smtClean="0"/>
@@ -5282,7 +5298,11 @@
                       </a:r>
                       <a:r>
                         <a:rPr lang="ko-KR" altLang="ko-KR" sz="1200" dirty="0" smtClean="0"/>
-                        <a:t>일 투여횟수</a:t>
+                        <a:t>일 </a:t>
+                      </a:r>
+                      <a:r>
+                        <a:rPr lang="ko-KR" altLang="en-US" sz="1200" dirty="0" smtClean="0"/>
+                        <a:t>투약횟수</a:t>
                       </a:r>
                       <a:endParaRPr lang="ko-KR" altLang="en-US" sz="1200" dirty="0"/>
                     </a:p>
@@ -8375,7 +8395,11 @@
               </a:r>
               <a:r>
                 <a:rPr lang="ko-KR" altLang="ko-KR" sz="1200" dirty="0"/>
-                <a:t>일 투여횟수</a:t>
+                <a:t>일 </a:t>
+              </a:r>
+              <a:r>
+                <a:rPr lang="ko-KR" altLang="en-US" sz="1200" dirty="0" smtClean="0"/>
+                <a:t>투약횟수</a:t>
               </a:r>
               <a:r>
                 <a:rPr lang="en-US" altLang="ko-KR" sz="1200" dirty="0" smtClean="0"/>
@@ -8781,7 +8805,11 @@
                       </a:r>
                       <a:r>
                         <a:rPr lang="ko-KR" altLang="ko-KR" sz="1200" dirty="0" smtClean="0"/>
-                        <a:t>일 투여횟수</a:t>
+                        <a:t>일 </a:t>
+                      </a:r>
+                      <a:r>
+                        <a:rPr lang="ko-KR" altLang="en-US" sz="1200" dirty="0" smtClean="0"/>
+                        <a:t>투약횟수</a:t>
                       </a:r>
                       <a:endParaRPr lang="ko-KR" altLang="en-US" sz="1200" dirty="0"/>
                     </a:p>
@@ -10374,6 +10402,30 @@
           </a:p>
         </p:txBody>
       </p:sp>
+      <p:pic>
+        <p:nvPicPr>
+          <p:cNvPr id="9" name="그림 8"/>
+          <p:cNvPicPr>
+            <a:picLocks noChangeAspect="1"/>
+          </p:cNvPicPr>
+          <p:nvPr/>
+        </p:nvPicPr>
+        <p:blipFill>
+          <a:blip r:embed="rId2"/>
+          <a:stretch>
+            <a:fillRect/>
+          </a:stretch>
+        </p:blipFill>
+        <p:spPr>
+          <a:xfrm>
+            <a:off x="145788" y="97247"/>
+            <a:ext cx="11900423" cy="6663506"/>
+          </a:xfrm>
+          <a:prstGeom prst="rect">
+            <a:avLst/>
+          </a:prstGeom>
+        </p:spPr>
+      </p:pic>
     </p:spTree>
     <p:extLst>
       <p:ext uri="{BB962C8B-B14F-4D97-AF65-F5344CB8AC3E}">
@@ -11874,7 +11926,11 @@
               </a:r>
               <a:r>
                 <a:rPr lang="ko-KR" altLang="ko-KR" sz="1200" dirty="0"/>
-                <a:t>일 투여횟수</a:t>
+                <a:t>일 </a:t>
+              </a:r>
+              <a:r>
+                <a:rPr lang="ko-KR" altLang="en-US" sz="1200" dirty="0" smtClean="0"/>
+                <a:t>투약횟수</a:t>
               </a:r>
               <a:r>
                 <a:rPr lang="en-US" altLang="ko-KR" sz="1200" dirty="0" smtClean="0"/>
@@ -12280,7 +12336,11 @@
                       </a:r>
                       <a:r>
                         <a:rPr lang="ko-KR" altLang="ko-KR" sz="1200" dirty="0" smtClean="0"/>
-                        <a:t>일 투여횟수</a:t>
+                        <a:t>일 </a:t>
+                      </a:r>
+                      <a:r>
+                        <a:rPr lang="ko-KR" altLang="en-US" sz="1200" dirty="0" smtClean="0"/>
+                        <a:t>투약횟수</a:t>
                       </a:r>
                       <a:endParaRPr lang="ko-KR" altLang="en-US" sz="1200" dirty="0"/>
                     </a:p>
@@ -13678,6 +13738,30 @@
           </a:p>
         </p:txBody>
       </p:sp>
+      <p:pic>
+        <p:nvPicPr>
+          <p:cNvPr id="2" name="그림 1"/>
+          <p:cNvPicPr>
+            <a:picLocks noChangeAspect="1"/>
+          </p:cNvPicPr>
+          <p:nvPr/>
+        </p:nvPicPr>
+        <p:blipFill>
+          <a:blip r:embed="rId2"/>
+          <a:stretch>
+            <a:fillRect/>
+          </a:stretch>
+        </p:blipFill>
+        <p:spPr>
+          <a:xfrm>
+            <a:off x="-3316410" y="-29476"/>
+            <a:ext cx="11900423" cy="6663506"/>
+          </a:xfrm>
+          <a:prstGeom prst="rect">
+            <a:avLst/>
+          </a:prstGeom>
+        </p:spPr>
+      </p:pic>
     </p:spTree>
     <p:extLst>
       <p:ext uri="{BB962C8B-B14F-4D97-AF65-F5344CB8AC3E}">
@@ -15178,7 +15262,11 @@
               </a:r>
               <a:r>
                 <a:rPr lang="ko-KR" altLang="ko-KR" sz="1200" dirty="0"/>
-                <a:t>일 투여횟수</a:t>
+                <a:t>일 </a:t>
+              </a:r>
+              <a:r>
+                <a:rPr lang="ko-KR" altLang="en-US" sz="1200" dirty="0" smtClean="0"/>
+                <a:t>투약횟수</a:t>
               </a:r>
               <a:r>
                 <a:rPr lang="en-US" altLang="ko-KR" sz="1200" dirty="0" smtClean="0"/>
@@ -15584,7 +15672,11 @@
                       </a:r>
                       <a:r>
                         <a:rPr lang="ko-KR" altLang="ko-KR" sz="1200" dirty="0" smtClean="0"/>
-                        <a:t>일 투여횟수</a:t>
+                        <a:t>일 </a:t>
+                      </a:r>
+                      <a:r>
+                        <a:rPr lang="ko-KR" altLang="en-US" sz="1200" dirty="0" smtClean="0"/>
+                        <a:t>투약횟수</a:t>
                       </a:r>
                       <a:endParaRPr lang="ko-KR" altLang="en-US" sz="1200" dirty="0"/>
                     </a:p>
@@ -17000,7 +17092,7 @@
       </p:sp>
       <p:pic>
         <p:nvPicPr>
-          <p:cNvPr id="2" name="그림 1"/>
+          <p:cNvPr id="7" name="그림 6"/>
           <p:cNvPicPr>
             <a:picLocks noChangeAspect="1"/>
           </p:cNvPicPr>
@@ -17014,7 +17106,7 @@
         </p:blipFill>
         <p:spPr>
           <a:xfrm>
-            <a:off x="-3369859" y="-547837"/>
+            <a:off x="-405768" y="1159821"/>
             <a:ext cx="11900423" cy="6663506"/>
           </a:xfrm>
           <a:prstGeom prst="rect">
@@ -20581,7 +20673,19 @@
               </a:r>
               <a:r>
                 <a:rPr lang="ko-KR" altLang="ko-KR" sz="1200" dirty="0"/>
-                <a:t>일 투여횟수</a:t>
+                <a:t>일 </a:t>
+              </a:r>
+              <a:r>
+                <a:rPr lang="ko-KR" altLang="ko-KR" sz="1200" dirty="0" smtClean="0"/>
+                <a:t>투</a:t>
+              </a:r>
+              <a:r>
+                <a:rPr lang="ko-KR" altLang="en-US" sz="1200" dirty="0" smtClean="0"/>
+                <a:t>약</a:t>
+              </a:r>
+              <a:r>
+                <a:rPr lang="ko-KR" altLang="ko-KR" sz="1200" dirty="0" smtClean="0"/>
+                <a:t>횟수</a:t>
               </a:r>
               <a:r>
                 <a:rPr lang="en-US" altLang="ko-KR" sz="1200" dirty="0" smtClean="0"/>
@@ -20993,7 +21097,11 @@
                       </a:r>
                       <a:r>
                         <a:rPr lang="ko-KR" altLang="ko-KR" sz="1200" dirty="0" smtClean="0"/>
-                        <a:t>일 투여횟수</a:t>
+                        <a:t>일 </a:t>
+                      </a:r>
+                      <a:r>
+                        <a:rPr lang="ko-KR" altLang="en-US" sz="1200" dirty="0" smtClean="0"/>
+                        <a:t>투약횟수</a:t>
                       </a:r>
                       <a:endParaRPr lang="ko-KR" altLang="en-US" sz="1200" dirty="0"/>
                     </a:p>
@@ -21700,6 +21808,30 @@
           </a:p>
         </p:txBody>
       </p:sp>
+      <p:pic>
+        <p:nvPicPr>
+          <p:cNvPr id="2" name="그림 1"/>
+          <p:cNvPicPr>
+            <a:picLocks noChangeAspect="1"/>
+          </p:cNvPicPr>
+          <p:nvPr/>
+        </p:nvPicPr>
+        <p:blipFill>
+          <a:blip r:embed="rId2"/>
+          <a:stretch>
+            <a:fillRect/>
+          </a:stretch>
+        </p:blipFill>
+        <p:spPr>
+          <a:xfrm>
+            <a:off x="145788" y="97247"/>
+            <a:ext cx="11900423" cy="6663506"/>
+          </a:xfrm>
+          <a:prstGeom prst="rect">
+            <a:avLst/>
+          </a:prstGeom>
+        </p:spPr>
+      </p:pic>
     </p:spTree>
     <p:extLst>
       <p:ext uri="{BB962C8B-B14F-4D97-AF65-F5344CB8AC3E}">
@@ -23184,7 +23316,11 @@
               </a:r>
               <a:r>
                 <a:rPr lang="ko-KR" altLang="ko-KR" sz="1200" dirty="0"/>
-                <a:t>일 투여횟수</a:t>
+                <a:t>일 </a:t>
+              </a:r>
+              <a:r>
+                <a:rPr lang="ko-KR" altLang="en-US" sz="1200" dirty="0" smtClean="0"/>
+                <a:t>투약횟수</a:t>
               </a:r>
               <a:r>
                 <a:rPr lang="en-US" altLang="ko-KR" sz="1200" dirty="0" smtClean="0"/>
@@ -23582,7 +23718,11 @@
                       </a:r>
                       <a:r>
                         <a:rPr lang="ko-KR" altLang="ko-KR" sz="1200" dirty="0" smtClean="0"/>
-                        <a:t>일 투여횟수</a:t>
+                        <a:t>일 </a:t>
+                      </a:r>
+                      <a:r>
+                        <a:rPr lang="ko-KR" altLang="en-US" sz="1200" dirty="0" smtClean="0"/>
+                        <a:t>투약횟수</a:t>
                       </a:r>
                       <a:endParaRPr lang="ko-KR" altLang="en-US" sz="1200" dirty="0"/>
                     </a:p>
@@ -24994,6 +25134,30 @@
           </a:p>
         </p:txBody>
       </p:sp>
+      <p:pic>
+        <p:nvPicPr>
+          <p:cNvPr id="7" name="그림 6"/>
+          <p:cNvPicPr>
+            <a:picLocks noChangeAspect="1"/>
+          </p:cNvPicPr>
+          <p:nvPr/>
+        </p:nvPicPr>
+        <p:blipFill>
+          <a:blip r:embed="rId2"/>
+          <a:stretch>
+            <a:fillRect/>
+          </a:stretch>
+        </p:blipFill>
+        <p:spPr>
+          <a:xfrm>
+            <a:off x="145788" y="97247"/>
+            <a:ext cx="11900423" cy="6663506"/>
+          </a:xfrm>
+          <a:prstGeom prst="rect">
+            <a:avLst/>
+          </a:prstGeom>
+        </p:spPr>
+      </p:pic>
     </p:spTree>
     <p:extLst>
       <p:ext uri="{BB962C8B-B14F-4D97-AF65-F5344CB8AC3E}">
@@ -26510,7 +26674,11 @@
               </a:r>
               <a:r>
                 <a:rPr lang="ko-KR" altLang="ko-KR" sz="1200" dirty="0"/>
-                <a:t>일 투여횟수</a:t>
+                <a:t>일 </a:t>
+              </a:r>
+              <a:r>
+                <a:rPr lang="ko-KR" altLang="en-US" sz="1200" dirty="0" smtClean="0"/>
+                <a:t>투약횟수</a:t>
               </a:r>
               <a:r>
                 <a:rPr lang="en-US" altLang="ko-KR" sz="1200" dirty="0" smtClean="0"/>
@@ -26922,7 +27090,11 @@
                       </a:r>
                       <a:r>
                         <a:rPr lang="ko-KR" altLang="ko-KR" sz="1200" dirty="0" smtClean="0"/>
-                        <a:t>일 투여횟수</a:t>
+                        <a:t>일 </a:t>
+                      </a:r>
+                      <a:r>
+                        <a:rPr lang="ko-KR" altLang="en-US" sz="1200" dirty="0" smtClean="0"/>
+                        <a:t>투약횟수</a:t>
                       </a:r>
                       <a:endParaRPr lang="ko-KR" altLang="en-US" sz="1200" dirty="0"/>
                     </a:p>
@@ -28523,6 +28695,30 @@
           </a:p>
         </p:txBody>
       </p:sp>
+      <p:pic>
+        <p:nvPicPr>
+          <p:cNvPr id="7" name="그림 6"/>
+          <p:cNvPicPr>
+            <a:picLocks noChangeAspect="1"/>
+          </p:cNvPicPr>
+          <p:nvPr/>
+        </p:nvPicPr>
+        <p:blipFill>
+          <a:blip r:embed="rId2"/>
+          <a:stretch>
+            <a:fillRect/>
+          </a:stretch>
+        </p:blipFill>
+        <p:spPr>
+          <a:xfrm>
+            <a:off x="145788" y="97247"/>
+            <a:ext cx="11900423" cy="6663506"/>
+          </a:xfrm>
+          <a:prstGeom prst="rect">
+            <a:avLst/>
+          </a:prstGeom>
+        </p:spPr>
+      </p:pic>
     </p:spTree>
     <p:extLst>
       <p:ext uri="{BB962C8B-B14F-4D97-AF65-F5344CB8AC3E}">
@@ -30023,7 +30219,11 @@
               </a:r>
               <a:r>
                 <a:rPr lang="ko-KR" altLang="ko-KR" sz="1200" dirty="0"/>
-                <a:t>일 투여횟수</a:t>
+                <a:t>일 </a:t>
+              </a:r>
+              <a:r>
+                <a:rPr lang="ko-KR" altLang="en-US" sz="1200" dirty="0" smtClean="0"/>
+                <a:t>투약횟수</a:t>
               </a:r>
               <a:r>
                 <a:rPr lang="en-US" altLang="ko-KR" sz="1200" dirty="0" smtClean="0"/>
@@ -30429,7 +30629,11 @@
                       </a:r>
                       <a:r>
                         <a:rPr lang="ko-KR" altLang="ko-KR" sz="1200" dirty="0" smtClean="0"/>
-                        <a:t>일 투여횟수</a:t>
+                        <a:t>일 </a:t>
+                      </a:r>
+                      <a:r>
+                        <a:rPr lang="ko-KR" altLang="en-US" sz="1200" dirty="0" smtClean="0"/>
+                        <a:t>투약횟수</a:t>
                       </a:r>
                       <a:endParaRPr lang="ko-KR" altLang="en-US" sz="1200" dirty="0"/>
                     </a:p>
@@ -31731,6 +31935,30 @@
           </a:p>
         </p:txBody>
       </p:sp>
+      <p:pic>
+        <p:nvPicPr>
+          <p:cNvPr id="2" name="그림 1"/>
+          <p:cNvPicPr>
+            <a:picLocks noChangeAspect="1"/>
+          </p:cNvPicPr>
+          <p:nvPr/>
+        </p:nvPicPr>
+        <p:blipFill>
+          <a:blip r:embed="rId2"/>
+          <a:stretch>
+            <a:fillRect/>
+          </a:stretch>
+        </p:blipFill>
+        <p:spPr>
+          <a:xfrm>
+            <a:off x="3053731" y="1385453"/>
+            <a:ext cx="11900423" cy="6102625"/>
+          </a:xfrm>
+          <a:prstGeom prst="rect">
+            <a:avLst/>
+          </a:prstGeom>
+        </p:spPr>
+      </p:pic>
     </p:spTree>
     <p:extLst>
       <p:ext uri="{BB962C8B-B14F-4D97-AF65-F5344CB8AC3E}">
@@ -33231,7 +33459,11 @@
               </a:r>
               <a:r>
                 <a:rPr lang="ko-KR" altLang="ko-KR" sz="1200" dirty="0"/>
-                <a:t>일 투여횟수</a:t>
+                <a:t>일 </a:t>
+              </a:r>
+              <a:r>
+                <a:rPr lang="ko-KR" altLang="en-US" sz="1200" dirty="0" smtClean="0"/>
+                <a:t>투약횟수</a:t>
               </a:r>
               <a:r>
                 <a:rPr lang="en-US" altLang="ko-KR" sz="1200" dirty="0" smtClean="0"/>
@@ -33637,7 +33869,11 @@
                       </a:r>
                       <a:r>
                         <a:rPr lang="ko-KR" altLang="ko-KR" sz="1200" dirty="0" smtClean="0"/>
-                        <a:t>일 투여횟수</a:t>
+                        <a:t>일 </a:t>
+                      </a:r>
+                      <a:r>
+                        <a:rPr lang="ko-KR" altLang="en-US" sz="1200" dirty="0" smtClean="0"/>
+                        <a:t>투약횟수</a:t>
                       </a:r>
                       <a:endParaRPr lang="ko-KR" altLang="en-US" sz="1200" dirty="0"/>
                     </a:p>
@@ -35175,30 +35411,6 @@
           </a:p>
         </p:txBody>
       </p:sp>
-      <p:pic>
-        <p:nvPicPr>
-          <p:cNvPr id="7" name="그림 6"/>
-          <p:cNvPicPr>
-            <a:picLocks noChangeAspect="1"/>
-          </p:cNvPicPr>
-          <p:nvPr/>
-        </p:nvPicPr>
-        <p:blipFill>
-          <a:blip r:embed="rId2"/>
-          <a:stretch>
-            <a:fillRect/>
-          </a:stretch>
-        </p:blipFill>
-        <p:spPr>
-          <a:xfrm>
-            <a:off x="-6382400" y="78153"/>
-            <a:ext cx="11900423" cy="6663506"/>
-          </a:xfrm>
-          <a:prstGeom prst="rect">
-            <a:avLst/>
-          </a:prstGeom>
-        </p:spPr>
-      </p:pic>
       <p:sp>
         <p:nvSpPr>
           <p:cNvPr id="110" name="직사각형 109"/>
@@ -35287,6 +35499,30 @@
           </a:p>
         </p:txBody>
       </p:sp>
+      <p:pic>
+        <p:nvPicPr>
+          <p:cNvPr id="2" name="그림 1"/>
+          <p:cNvPicPr>
+            <a:picLocks noChangeAspect="1"/>
+          </p:cNvPicPr>
+          <p:nvPr/>
+        </p:nvPicPr>
+        <p:blipFill>
+          <a:blip r:embed="rId2"/>
+          <a:stretch>
+            <a:fillRect/>
+          </a:stretch>
+        </p:blipFill>
+        <p:spPr>
+          <a:xfrm>
+            <a:off x="-551275" y="0"/>
+            <a:ext cx="11900423" cy="6663506"/>
+          </a:xfrm>
+          <a:prstGeom prst="rect">
+            <a:avLst/>
+          </a:prstGeom>
+        </p:spPr>
+      </p:pic>
     </p:spTree>
     <p:extLst>
       <p:ext uri="{BB962C8B-B14F-4D97-AF65-F5344CB8AC3E}">
@@ -36787,7 +37023,11 @@
               </a:r>
               <a:r>
                 <a:rPr lang="ko-KR" altLang="ko-KR" sz="1200" dirty="0"/>
-                <a:t>일 투여횟수</a:t>
+                <a:t>일 </a:t>
+              </a:r>
+              <a:r>
+                <a:rPr lang="ko-KR" altLang="en-US" sz="1200" dirty="0" smtClean="0"/>
+                <a:t>투약횟수</a:t>
               </a:r>
               <a:r>
                 <a:rPr lang="en-US" altLang="ko-KR" sz="1200" dirty="0" smtClean="0"/>
@@ -37193,7 +37433,11 @@
                       </a:r>
                       <a:r>
                         <a:rPr lang="ko-KR" altLang="ko-KR" sz="1200" dirty="0" smtClean="0"/>
-                        <a:t>일 투여횟수</a:t>
+                        <a:t>일 </a:t>
+                      </a:r>
+                      <a:r>
+                        <a:rPr lang="ko-KR" altLang="en-US" sz="1200" dirty="0" smtClean="0"/>
+                        <a:t>투약횟수</a:t>
                       </a:r>
                       <a:endParaRPr lang="ko-KR" altLang="en-US" sz="1200" dirty="0"/>
                     </a:p>
@@ -38325,15 +38569,7 @@
                   <a:schemeClr val="tx1"/>
                 </a:solidFill>
               </a:rPr>
-              <a:t>삭제</a:t>
-            </a:r>
-            <a:r>
-              <a:rPr lang="ko-KR" altLang="en-US" dirty="0" smtClean="0">
-                <a:solidFill>
-                  <a:schemeClr val="tx1"/>
-                </a:solidFill>
-              </a:rPr>
-              <a:t>하시겠습니까</a:t>
+              <a:t>삭제하시겠습니까</a:t>
             </a:r>
             <a:r>
               <a:rPr lang="en-US" altLang="ko-KR" dirty="0" smtClean="0">
@@ -38720,30 +38956,6 @@
           </a:p>
         </p:txBody>
       </p:sp>
-      <p:pic>
-        <p:nvPicPr>
-          <p:cNvPr id="9" name="그림 8"/>
-          <p:cNvPicPr>
-            <a:picLocks noChangeAspect="1"/>
-          </p:cNvPicPr>
-          <p:nvPr/>
-        </p:nvPicPr>
-        <p:blipFill>
-          <a:blip r:embed="rId2"/>
-          <a:stretch>
-            <a:fillRect/>
-          </a:stretch>
-        </p:blipFill>
-        <p:spPr>
-          <a:xfrm>
-            <a:off x="-2647479" y="78153"/>
-            <a:ext cx="11900423" cy="6663506"/>
-          </a:xfrm>
-          <a:prstGeom prst="rect">
-            <a:avLst/>
-          </a:prstGeom>
-        </p:spPr>
-      </p:pic>
       <p:sp>
         <p:nvSpPr>
           <p:cNvPr id="111" name="직사각형 110"/>
@@ -38832,6 +39044,30 @@
           </a:p>
         </p:txBody>
       </p:sp>
+      <p:pic>
+        <p:nvPicPr>
+          <p:cNvPr id="2" name="그림 1"/>
+          <p:cNvPicPr>
+            <a:picLocks noChangeAspect="1"/>
+          </p:cNvPicPr>
+          <p:nvPr/>
+        </p:nvPicPr>
+        <p:blipFill>
+          <a:blip r:embed="rId2"/>
+          <a:stretch>
+            <a:fillRect/>
+          </a:stretch>
+        </p:blipFill>
+        <p:spPr>
+          <a:xfrm>
+            <a:off x="-1931680" y="148874"/>
+            <a:ext cx="11900423" cy="6663506"/>
+          </a:xfrm>
+          <a:prstGeom prst="rect">
+            <a:avLst/>
+          </a:prstGeom>
+        </p:spPr>
+      </p:pic>
     </p:spTree>
     <p:extLst>
       <p:ext uri="{BB962C8B-B14F-4D97-AF65-F5344CB8AC3E}">
@@ -40332,7 +40568,11 @@
               </a:r>
               <a:r>
                 <a:rPr lang="ko-KR" altLang="ko-KR" sz="1200" dirty="0"/>
-                <a:t>일 투여횟수</a:t>
+                <a:t>일 </a:t>
+              </a:r>
+              <a:r>
+                <a:rPr lang="ko-KR" altLang="en-US" sz="1200" dirty="0" smtClean="0"/>
+                <a:t>투약횟수</a:t>
               </a:r>
               <a:r>
                 <a:rPr lang="en-US" altLang="ko-KR" sz="1200" dirty="0" smtClean="0"/>
@@ -40744,7 +40984,11 @@
                       </a:r>
                       <a:r>
                         <a:rPr lang="ko-KR" altLang="ko-KR" sz="1200" dirty="0" smtClean="0"/>
-                        <a:t>일 투여횟수</a:t>
+                        <a:t>일 </a:t>
+                      </a:r>
+                      <a:r>
+                        <a:rPr lang="ko-KR" altLang="en-US" sz="1200" dirty="0" smtClean="0"/>
+                        <a:t>투약횟수</a:t>
                       </a:r>
                       <a:endParaRPr lang="ko-KR" altLang="en-US" sz="1200" dirty="0"/>
                     </a:p>
@@ -42856,6 +43100,30 @@
           </a:p>
         </p:txBody>
       </p:sp>
+      <p:pic>
+        <p:nvPicPr>
+          <p:cNvPr id="2" name="그림 1"/>
+          <p:cNvPicPr>
+            <a:picLocks noChangeAspect="1"/>
+          </p:cNvPicPr>
+          <p:nvPr/>
+        </p:nvPicPr>
+        <p:blipFill>
+          <a:blip r:embed="rId2"/>
+          <a:stretch>
+            <a:fillRect/>
+          </a:stretch>
+        </p:blipFill>
+        <p:spPr>
+          <a:xfrm>
+            <a:off x="145788" y="97247"/>
+            <a:ext cx="11900423" cy="6663506"/>
+          </a:xfrm>
+          <a:prstGeom prst="rect">
+            <a:avLst/>
+          </a:prstGeom>
+        </p:spPr>
+      </p:pic>
     </p:spTree>
     <p:extLst>
       <p:ext uri="{BB962C8B-B14F-4D97-AF65-F5344CB8AC3E}">

--- a/프레젠테이션1.pptx
+++ b/프레젠테이션1.pptx
@@ -3272,11 +3272,7 @@
                       </a:r>
                       <a:r>
                         <a:rPr lang="ko-KR" altLang="ko-KR" dirty="0" smtClean="0"/>
-                        <a:t> </a:t>
-                      </a:r>
-                      <a:r>
-                        <a:rPr lang="ko-KR" altLang="ko-KR" dirty="0" smtClean="0"/>
-                        <a:t>횟수</a:t>
+                        <a:t> 횟수</a:t>
                       </a:r>
                     </a:p>
                   </a:txBody>
@@ -17660,30 +17656,6 @@
           </a:p>
         </p:txBody>
       </p:sp>
-      <p:pic>
-        <p:nvPicPr>
-          <p:cNvPr id="16" name="그림 15"/>
-          <p:cNvPicPr>
-            <a:picLocks noChangeAspect="1"/>
-          </p:cNvPicPr>
-          <p:nvPr/>
-        </p:nvPicPr>
-        <p:blipFill>
-          <a:blip r:embed="rId2"/>
-          <a:stretch>
-            <a:fillRect/>
-          </a:stretch>
-        </p:blipFill>
-        <p:spPr>
-          <a:xfrm>
-            <a:off x="2877033" y="883699"/>
-            <a:ext cx="6437934" cy="5090601"/>
-          </a:xfrm>
-          <a:prstGeom prst="rect">
-            <a:avLst/>
-          </a:prstGeom>
-        </p:spPr>
-      </p:pic>
     </p:spTree>
     <p:extLst>
       <p:ext uri="{BB962C8B-B14F-4D97-AF65-F5344CB8AC3E}">
@@ -18349,30 +18321,6 @@
           </a:p>
         </p:txBody>
       </p:sp>
-      <p:pic>
-        <p:nvPicPr>
-          <p:cNvPr id="2" name="그림 1"/>
-          <p:cNvPicPr>
-            <a:picLocks noChangeAspect="1"/>
-          </p:cNvPicPr>
-          <p:nvPr/>
-        </p:nvPicPr>
-        <p:blipFill>
-          <a:blip r:embed="rId2"/>
-          <a:stretch>
-            <a:fillRect/>
-          </a:stretch>
-        </p:blipFill>
-        <p:spPr>
-          <a:xfrm>
-            <a:off x="2877033" y="883699"/>
-            <a:ext cx="6437934" cy="5090601"/>
-          </a:xfrm>
-          <a:prstGeom prst="rect">
-            <a:avLst/>
-          </a:prstGeom>
-        </p:spPr>
-      </p:pic>
     </p:spTree>
     <p:extLst>
       <p:ext uri="{BB962C8B-B14F-4D97-AF65-F5344CB8AC3E}">
@@ -21808,30 +21756,6 @@
           </a:p>
         </p:txBody>
       </p:sp>
-      <p:pic>
-        <p:nvPicPr>
-          <p:cNvPr id="2" name="그림 1"/>
-          <p:cNvPicPr>
-            <a:picLocks noChangeAspect="1"/>
-          </p:cNvPicPr>
-          <p:nvPr/>
-        </p:nvPicPr>
-        <p:blipFill>
-          <a:blip r:embed="rId2"/>
-          <a:stretch>
-            <a:fillRect/>
-          </a:stretch>
-        </p:blipFill>
-        <p:spPr>
-          <a:xfrm>
-            <a:off x="145788" y="97247"/>
-            <a:ext cx="11900423" cy="6663506"/>
-          </a:xfrm>
-          <a:prstGeom prst="rect">
-            <a:avLst/>
-          </a:prstGeom>
-        </p:spPr>
-      </p:pic>
     </p:spTree>
     <p:extLst>
       <p:ext uri="{BB962C8B-B14F-4D97-AF65-F5344CB8AC3E}">
@@ -43116,7 +43040,7 @@
         </p:blipFill>
         <p:spPr>
           <a:xfrm>
-            <a:off x="145788" y="97247"/>
+            <a:off x="223663" y="4972231"/>
             <a:ext cx="11900423" cy="6663506"/>
           </a:xfrm>
           <a:prstGeom prst="rect">
